--- a/java_for_gamedev.pptx
+++ b/java_for_gamedev.pptx
@@ -5,23 +5,26 @@
     <p:sldMasterId id="2147483648" r:id="rId1"/>
   </p:sldMasterIdLst>
   <p:notesMasterIdLst>
-    <p:notesMasterId r:id="rId16"/>
+    <p:notesMasterId r:id="rId19"/>
   </p:notesMasterIdLst>
   <p:sldIdLst>
     <p:sldId id="256" r:id="rId2"/>
     <p:sldId id="327" r:id="rId3"/>
-    <p:sldId id="328" r:id="rId4"/>
-    <p:sldId id="329" r:id="rId5"/>
-    <p:sldId id="333" r:id="rId6"/>
-    <p:sldId id="332" r:id="rId7"/>
-    <p:sldId id="330" r:id="rId8"/>
-    <p:sldId id="334" r:id="rId9"/>
-    <p:sldId id="335" r:id="rId10"/>
-    <p:sldId id="336" r:id="rId11"/>
-    <p:sldId id="338" r:id="rId12"/>
-    <p:sldId id="337" r:id="rId13"/>
-    <p:sldId id="339" r:id="rId14"/>
-    <p:sldId id="331" r:id="rId15"/>
+    <p:sldId id="340" r:id="rId4"/>
+    <p:sldId id="328" r:id="rId5"/>
+    <p:sldId id="329" r:id="rId6"/>
+    <p:sldId id="333" r:id="rId7"/>
+    <p:sldId id="332" r:id="rId8"/>
+    <p:sldId id="330" r:id="rId9"/>
+    <p:sldId id="334" r:id="rId10"/>
+    <p:sldId id="342" r:id="rId11"/>
+    <p:sldId id="335" r:id="rId12"/>
+    <p:sldId id="336" r:id="rId13"/>
+    <p:sldId id="338" r:id="rId14"/>
+    <p:sldId id="337" r:id="rId15"/>
+    <p:sldId id="339" r:id="rId16"/>
+    <p:sldId id="331" r:id="rId17"/>
+    <p:sldId id="341" r:id="rId18"/>
   </p:sldIdLst>
   <p:sldSz cx="12192000" cy="6858000"/>
   <p:notesSz cx="6858000" cy="9144000"/>
@@ -213,7 +216,7 @@
           <a:p>
             <a:fld id="{F6BAD4D0-6D22-4013-A7DE-94B2BFCCFD34}" type="datetimeFigureOut">
               <a:rPr lang="en-US" smtClean="0"/>
-              <a:t>2/2/2020</a:t>
+              <a:t>2/9/2020</a:t>
             </a:fld>
             <a:endParaRPr lang="en-US"/>
           </a:p>
@@ -641,7 +644,7 @@
           <a:p>
             <a:fld id="{AB731CA9-D584-4386-A852-40CEE569DD94}" type="datetimeFigureOut">
               <a:rPr lang="en-US" smtClean="0"/>
-              <a:t>2/2/2020</a:t>
+              <a:t>2/9/2020</a:t>
             </a:fld>
             <a:endParaRPr lang="en-US"/>
           </a:p>
@@ -839,7 +842,7 @@
           <a:p>
             <a:fld id="{AB731CA9-D584-4386-A852-40CEE569DD94}" type="datetimeFigureOut">
               <a:rPr lang="en-US" smtClean="0"/>
-              <a:t>2/2/2020</a:t>
+              <a:t>2/9/2020</a:t>
             </a:fld>
             <a:endParaRPr lang="en-US"/>
           </a:p>
@@ -1047,7 +1050,7 @@
           <a:p>
             <a:fld id="{AB731CA9-D584-4386-A852-40CEE569DD94}" type="datetimeFigureOut">
               <a:rPr lang="en-US" smtClean="0"/>
-              <a:t>2/2/2020</a:t>
+              <a:t>2/9/2020</a:t>
             </a:fld>
             <a:endParaRPr lang="en-US"/>
           </a:p>
@@ -1259,7 +1262,7 @@
           <a:p>
             <a:fld id="{AB731CA9-D584-4386-A852-40CEE569DD94}" type="datetimeFigureOut">
               <a:rPr lang="en-US" smtClean="0"/>
-              <a:t>2/2/2020</a:t>
+              <a:t>2/9/2020</a:t>
             </a:fld>
             <a:endParaRPr lang="en-US"/>
           </a:p>
@@ -1534,7 +1537,7 @@
           <a:p>
             <a:fld id="{AB731CA9-D584-4386-A852-40CEE569DD94}" type="datetimeFigureOut">
               <a:rPr lang="en-US" smtClean="0"/>
-              <a:t>2/2/2020</a:t>
+              <a:t>2/9/2020</a:t>
             </a:fld>
             <a:endParaRPr lang="en-US"/>
           </a:p>
@@ -1799,7 +1802,7 @@
           <a:p>
             <a:fld id="{AB731CA9-D584-4386-A852-40CEE569DD94}" type="datetimeFigureOut">
               <a:rPr lang="en-US" smtClean="0"/>
-              <a:t>2/2/2020</a:t>
+              <a:t>2/9/2020</a:t>
             </a:fld>
             <a:endParaRPr lang="en-US"/>
           </a:p>
@@ -2211,7 +2214,7 @@
           <a:p>
             <a:fld id="{AB731CA9-D584-4386-A852-40CEE569DD94}" type="datetimeFigureOut">
               <a:rPr lang="en-US" smtClean="0"/>
-              <a:t>2/2/2020</a:t>
+              <a:t>2/9/2020</a:t>
             </a:fld>
             <a:endParaRPr lang="en-US"/>
           </a:p>
@@ -2352,7 +2355,7 @@
           <a:p>
             <a:fld id="{AB731CA9-D584-4386-A852-40CEE569DD94}" type="datetimeFigureOut">
               <a:rPr lang="en-US" smtClean="0"/>
-              <a:t>2/2/2020</a:t>
+              <a:t>2/9/2020</a:t>
             </a:fld>
             <a:endParaRPr lang="en-US"/>
           </a:p>
@@ -2465,7 +2468,7 @@
           <a:p>
             <a:fld id="{AB731CA9-D584-4386-A852-40CEE569DD94}" type="datetimeFigureOut">
               <a:rPr lang="en-US" smtClean="0"/>
-              <a:t>2/2/2020</a:t>
+              <a:t>2/9/2020</a:t>
             </a:fld>
             <a:endParaRPr lang="en-US"/>
           </a:p>
@@ -2776,7 +2779,7 @@
           <a:p>
             <a:fld id="{AB731CA9-D584-4386-A852-40CEE569DD94}" type="datetimeFigureOut">
               <a:rPr lang="en-US" smtClean="0"/>
-              <a:t>2/2/2020</a:t>
+              <a:t>2/9/2020</a:t>
             </a:fld>
             <a:endParaRPr lang="en-US"/>
           </a:p>
@@ -3064,7 +3067,7 @@
           <a:p>
             <a:fld id="{AB731CA9-D584-4386-A852-40CEE569DD94}" type="datetimeFigureOut">
               <a:rPr lang="en-US" smtClean="0"/>
-              <a:t>2/2/2020</a:t>
+              <a:t>2/9/2020</a:t>
             </a:fld>
             <a:endParaRPr lang="en-US"/>
           </a:p>
@@ -3314,7 +3317,7 @@
           <a:p>
             <a:fld id="{AB731CA9-D584-4386-A852-40CEE569DD94}" type="datetimeFigureOut">
               <a:rPr lang="en-US" smtClean="0"/>
-              <a:t>2/2/2020</a:t>
+              <a:t>2/9/2020</a:t>
             </a:fld>
             <a:endParaRPr lang="en-US"/>
           </a:p>
@@ -3767,7 +3770,7 @@
         </p:spPr>
         <p:txBody>
           <a:bodyPr>
-            <a:normAutofit/>
+            <a:normAutofit fontScale="90000"/>
           </a:bodyPr>
           <a:lstStyle/>
           <a:p>
@@ -3782,10 +3785,10 @@
                   </a:glow>
                 </a:effectLst>
               </a:rPr>
-              <a:t>Java for </a:t>
-            </a:r>
-            <a:r>
-              <a:rPr lang="en-US" b="1" dirty="0" err="1">
+              <a:t>Java </a:t>
+            </a:r>
+            <a:br>
+              <a:rPr lang="en-US" b="1" dirty="0">
                 <a:ln w="44450">
                   <a:noFill/>
                 </a:ln>
@@ -3795,7 +3798,19 @@
                   </a:glow>
                 </a:effectLst>
               </a:rPr>
-              <a:t>GameDev</a:t>
+            </a:br>
+            <a:r>
+              <a:rPr lang="en-US" b="1" dirty="0">
+                <a:ln w="44450">
+                  <a:noFill/>
+                </a:ln>
+                <a:effectLst>
+                  <a:glow rad="127000">
+                    <a:schemeClr val="bg1"/>
+                  </a:glow>
+                </a:effectLst>
+              </a:rPr>
+              <a:t>for Game Development</a:t>
             </a:r>
             <a:endParaRPr lang="en-US" sz="8000" b="1" dirty="0">
               <a:ln w="44450">
@@ -3919,6 +3934,278 @@
           <p:cNvPr id="2" name="Title 1">
             <a:extLst>
               <a:ext uri="{FF2B5EF4-FFF2-40B4-BE49-F238E27FC236}">
+                <a16:creationId xmlns:a16="http://schemas.microsoft.com/office/drawing/2014/main" id="{6F07F3AF-40A9-4743-A59B-7415771FDEA7}"/>
+              </a:ext>
+            </a:extLst>
+          </p:cNvPr>
+          <p:cNvSpPr>
+            <a:spLocks noGrp="1"/>
+          </p:cNvSpPr>
+          <p:nvPr>
+            <p:ph type="title"/>
+          </p:nvPr>
+        </p:nvSpPr>
+        <p:spPr/>
+        <p:txBody>
+          <a:bodyPr/>
+          <a:lstStyle/>
+          <a:p>
+            <a:r>
+              <a:rPr lang="en-US" dirty="0"/>
+              <a:t>Drawing Examples</a:t>
+            </a:r>
+          </a:p>
+        </p:txBody>
+      </p:sp>
+      <p:pic>
+        <p:nvPicPr>
+          <p:cNvPr id="4" name="Picture 3">
+            <a:extLst>
+              <a:ext uri="{FF2B5EF4-FFF2-40B4-BE49-F238E27FC236}">
+                <a16:creationId xmlns:a16="http://schemas.microsoft.com/office/drawing/2014/main" id="{14AB0AE5-54F9-45FD-801F-5B868FDD2D5F}"/>
+              </a:ext>
+            </a:extLst>
+          </p:cNvPr>
+          <p:cNvPicPr>
+            <a:picLocks noChangeAspect="1"/>
+          </p:cNvPicPr>
+          <p:nvPr/>
+        </p:nvPicPr>
+        <p:blipFill>
+          <a:blip r:embed="rId2"/>
+          <a:stretch>
+            <a:fillRect/>
+          </a:stretch>
+        </p:blipFill>
+        <p:spPr>
+          <a:xfrm>
+            <a:off x="691973" y="1564039"/>
+            <a:ext cx="3876675" cy="4791075"/>
+          </a:xfrm>
+          <a:prstGeom prst="rect">
+            <a:avLst/>
+          </a:prstGeom>
+          <a:ln>
+            <a:noFill/>
+          </a:ln>
+          <a:effectLst>
+            <a:outerShdw blurRad="292100" dist="139700" dir="2700000" algn="tl" rotWithShape="0">
+              <a:srgbClr val="333333">
+                <a:alpha val="65000"/>
+              </a:srgbClr>
+            </a:outerShdw>
+          </a:effectLst>
+        </p:spPr>
+      </p:pic>
+      <p:pic>
+        <p:nvPicPr>
+          <p:cNvPr id="5" name="Picture 4">
+            <a:extLst>
+              <a:ext uri="{FF2B5EF4-FFF2-40B4-BE49-F238E27FC236}">
+                <a16:creationId xmlns:a16="http://schemas.microsoft.com/office/drawing/2014/main" id="{EA0B90FE-30CC-4C51-B790-D13C2837F430}"/>
+              </a:ext>
+            </a:extLst>
+          </p:cNvPr>
+          <p:cNvPicPr>
+            <a:picLocks noChangeAspect="1"/>
+          </p:cNvPicPr>
+          <p:nvPr/>
+        </p:nvPicPr>
+        <p:blipFill>
+          <a:blip r:embed="rId3"/>
+          <a:stretch>
+            <a:fillRect/>
+          </a:stretch>
+        </p:blipFill>
+        <p:spPr>
+          <a:xfrm>
+            <a:off x="6320543" y="1387475"/>
+            <a:ext cx="3705225" cy="5105400"/>
+          </a:xfrm>
+          <a:prstGeom prst="rect">
+            <a:avLst/>
+          </a:prstGeom>
+          <a:ln>
+            <a:noFill/>
+          </a:ln>
+          <a:effectLst>
+            <a:outerShdw blurRad="292100" dist="139700" dir="2700000" algn="tl" rotWithShape="0">
+              <a:srgbClr val="333333">
+                <a:alpha val="65000"/>
+              </a:srgbClr>
+            </a:outerShdw>
+          </a:effectLst>
+        </p:spPr>
+      </p:pic>
+    </p:spTree>
+    <p:extLst>
+      <p:ext uri="{BB962C8B-B14F-4D97-AF65-F5344CB8AC3E}">
+        <p14:creationId xmlns:p14="http://schemas.microsoft.com/office/powerpoint/2010/main" val="3779766028"/>
+      </p:ext>
+    </p:extLst>
+  </p:cSld>
+  <p:clrMapOvr>
+    <a:masterClrMapping/>
+  </p:clrMapOvr>
+</p:sld>
+</file>
+
+<file path=ppt/slides/slide11.xml><?xml version="1.0" encoding="utf-8"?>
+<p:sld xmlns:a="http://schemas.openxmlformats.org/drawingml/2006/main" xmlns:r="http://schemas.openxmlformats.org/officeDocument/2006/relationships" xmlns:p="http://schemas.openxmlformats.org/presentationml/2006/main">
+  <p:cSld>
+    <p:spTree>
+      <p:nvGrpSpPr>
+        <p:cNvPr id="1" name=""/>
+        <p:cNvGrpSpPr/>
+        <p:nvPr/>
+      </p:nvGrpSpPr>
+      <p:grpSpPr>
+        <a:xfrm>
+          <a:off x="0" y="0"/>
+          <a:ext cx="0" cy="0"/>
+          <a:chOff x="0" y="0"/>
+          <a:chExt cx="0" cy="0"/>
+        </a:xfrm>
+      </p:grpSpPr>
+      <p:sp>
+        <p:nvSpPr>
+          <p:cNvPr id="2" name="Title 1">
+            <a:extLst>
+              <a:ext uri="{FF2B5EF4-FFF2-40B4-BE49-F238E27FC236}">
+                <a16:creationId xmlns:a16="http://schemas.microsoft.com/office/drawing/2014/main" id="{3E4CFA0A-060A-4BAD-AD8A-9F5E69CD6E93}"/>
+              </a:ext>
+            </a:extLst>
+          </p:cNvPr>
+          <p:cNvSpPr>
+            <a:spLocks noGrp="1"/>
+          </p:cNvSpPr>
+          <p:nvPr>
+            <p:ph type="title"/>
+          </p:nvPr>
+        </p:nvSpPr>
+        <p:spPr/>
+        <p:txBody>
+          <a:bodyPr/>
+          <a:lstStyle/>
+          <a:p>
+            <a:r>
+              <a:rPr lang="en-US" dirty="0"/>
+              <a:t>Types of Input</a:t>
+            </a:r>
+          </a:p>
+        </p:txBody>
+      </p:sp>
+      <p:sp>
+        <p:nvSpPr>
+          <p:cNvPr id="3" name="Content Placeholder 2">
+            <a:extLst>
+              <a:ext uri="{FF2B5EF4-FFF2-40B4-BE49-F238E27FC236}">
+                <a16:creationId xmlns:a16="http://schemas.microsoft.com/office/drawing/2014/main" id="{AEEA7A3C-458D-44C7-A71E-A57E1F8B7007}"/>
+              </a:ext>
+            </a:extLst>
+          </p:cNvPr>
+          <p:cNvSpPr>
+            <a:spLocks noGrp="1"/>
+          </p:cNvSpPr>
+          <p:nvPr>
+            <p:ph idx="1"/>
+          </p:nvPr>
+        </p:nvSpPr>
+        <p:spPr/>
+        <p:txBody>
+          <a:bodyPr/>
+          <a:lstStyle/>
+          <a:p>
+            <a:r>
+              <a:rPr lang="en-US" dirty="0"/>
+              <a:t>Event driven</a:t>
+            </a:r>
+          </a:p>
+          <a:p>
+            <a:pPr lvl="1"/>
+            <a:r>
+              <a:rPr lang="en-US" dirty="0"/>
+              <a:t>Mouse click</a:t>
+            </a:r>
+          </a:p>
+          <a:p>
+            <a:pPr lvl="1"/>
+            <a:r>
+              <a:rPr lang="en-US" dirty="0"/>
+              <a:t>Key press, release</a:t>
+            </a:r>
+          </a:p>
+          <a:p>
+            <a:pPr lvl="1"/>
+            <a:r>
+              <a:rPr lang="en-US" dirty="0"/>
+              <a:t>Button pressed, released</a:t>
+            </a:r>
+          </a:p>
+          <a:p>
+            <a:r>
+              <a:rPr lang="en-US" dirty="0"/>
+              <a:t>Polling</a:t>
+            </a:r>
+          </a:p>
+          <a:p>
+            <a:pPr lvl="1"/>
+            <a:r>
+              <a:rPr lang="en-US" dirty="0"/>
+              <a:t>Joystick position</a:t>
+            </a:r>
+          </a:p>
+          <a:p>
+            <a:pPr lvl="1"/>
+            <a:r>
+              <a:rPr lang="en-US" dirty="0"/>
+              <a:t>Mouse pointer position</a:t>
+            </a:r>
+          </a:p>
+          <a:p>
+            <a:pPr lvl="1"/>
+            <a:r>
+              <a:rPr lang="en-US" dirty="0"/>
+              <a:t>Button is pressed</a:t>
+            </a:r>
+          </a:p>
+        </p:txBody>
+      </p:sp>
+    </p:spTree>
+    <p:extLst>
+      <p:ext uri="{BB962C8B-B14F-4D97-AF65-F5344CB8AC3E}">
+        <p14:creationId xmlns:p14="http://schemas.microsoft.com/office/powerpoint/2010/main" val="924983055"/>
+      </p:ext>
+    </p:extLst>
+  </p:cSld>
+  <p:clrMapOvr>
+    <a:masterClrMapping/>
+  </p:clrMapOvr>
+</p:sld>
+</file>
+
+<file path=ppt/slides/slide12.xml><?xml version="1.0" encoding="utf-8"?>
+<p:sld xmlns:a="http://schemas.openxmlformats.org/drawingml/2006/main" xmlns:r="http://schemas.openxmlformats.org/officeDocument/2006/relationships" xmlns:p="http://schemas.openxmlformats.org/presentationml/2006/main">
+  <p:cSld>
+    <p:spTree>
+      <p:nvGrpSpPr>
+        <p:cNvPr id="1" name=""/>
+        <p:cNvGrpSpPr/>
+        <p:nvPr/>
+      </p:nvGrpSpPr>
+      <p:grpSpPr>
+        <a:xfrm>
+          <a:off x="0" y="0"/>
+          <a:ext cx="0" cy="0"/>
+          <a:chOff x="0" y="0"/>
+          <a:chExt cx="0" cy="0"/>
+        </a:xfrm>
+      </p:grpSpPr>
+      <p:sp>
+        <p:nvSpPr>
+          <p:cNvPr id="2" name="Title 1">
+            <a:extLst>
+              <a:ext uri="{FF2B5EF4-FFF2-40B4-BE49-F238E27FC236}">
                 <a16:creationId xmlns:a16="http://schemas.microsoft.com/office/drawing/2014/main" id="{9BAEE533-0279-42C0-8FA2-552C35B3FBB8}"/>
               </a:ext>
             </a:extLst>
@@ -3966,7 +4253,7 @@
         </p:spPr>
         <p:txBody>
           <a:bodyPr>
-            <a:normAutofit fontScale="85000" lnSpcReduction="10000"/>
+            <a:normAutofit fontScale="85000" lnSpcReduction="20000"/>
           </a:bodyPr>
           <a:lstStyle/>
           <a:p>
@@ -3984,7 +4271,7 @@
             <a:pPr lvl="1"/>
             <a:r>
               <a:rPr lang="en-US" dirty="0"/>
-              <a:t>Define methods</a:t>
+              <a:t>Define callback methods</a:t>
             </a:r>
           </a:p>
           <a:p>
@@ -4037,7 +4324,10 @@
               <a:rPr lang="en-US" dirty="0" err="1"/>
               <a:t>MouseListener</a:t>
             </a:r>
-            <a:endParaRPr lang="en-US" dirty="0"/>
+            <a:r>
+              <a:rPr lang="en-US" dirty="0"/>
+              <a:t> to component</a:t>
+            </a:r>
           </a:p>
           <a:p>
             <a:r>
@@ -4064,7 +4354,15 @@
             </a:r>
             <a:r>
               <a:rPr lang="en-US" dirty="0"/>
-              <a:t>()</a:t>
+              <a:t>() from </a:t>
+            </a:r>
+            <a:r>
+              <a:rPr lang="en-US" dirty="0" err="1"/>
+              <a:t>MouseEvent</a:t>
+            </a:r>
+            <a:r>
+              <a:rPr lang="en-US" dirty="0"/>
+              <a:t> e</a:t>
             </a:r>
           </a:p>
           <a:p>
@@ -4162,7 +4460,7 @@
 </p:sld>
 </file>
 
-<file path=ppt/slides/slide11.xml><?xml version="1.0" encoding="utf-8"?>
+<file path=ppt/slides/slide13.xml><?xml version="1.0" encoding="utf-8"?>
 <p:sld xmlns:a="http://schemas.openxmlformats.org/drawingml/2006/main" xmlns:r="http://schemas.openxmlformats.org/officeDocument/2006/relationships" xmlns:p="http://schemas.openxmlformats.org/presentationml/2006/main">
   <p:cSld>
     <p:spTree>
@@ -4246,7 +4544,7 @@
             </a:r>
             <a:r>
               <a:rPr lang="en-US" dirty="0" err="1"/>
-              <a:t>Jframe</a:t>
+              <a:t>JFrame</a:t>
             </a:r>
             <a:endParaRPr lang="en-US" dirty="0"/>
           </a:p>
@@ -4312,300 +4610,6 @@
 </p:sld>
 </file>
 
-<file path=ppt/slides/slide12.xml><?xml version="1.0" encoding="utf-8"?>
-<p:sld xmlns:a="http://schemas.openxmlformats.org/drawingml/2006/main" xmlns:r="http://schemas.openxmlformats.org/officeDocument/2006/relationships" xmlns:p="http://schemas.openxmlformats.org/presentationml/2006/main">
-  <p:cSld>
-    <p:spTree>
-      <p:nvGrpSpPr>
-        <p:cNvPr id="1" name=""/>
-        <p:cNvGrpSpPr/>
-        <p:nvPr/>
-      </p:nvGrpSpPr>
-      <p:grpSpPr>
-        <a:xfrm>
-          <a:off x="0" y="0"/>
-          <a:ext cx="0" cy="0"/>
-          <a:chOff x="0" y="0"/>
-          <a:chExt cx="0" cy="0"/>
-        </a:xfrm>
-      </p:grpSpPr>
-      <p:sp>
-        <p:nvSpPr>
-          <p:cNvPr id="2" name="Title 1">
-            <a:extLst>
-              <a:ext uri="{FF2B5EF4-FFF2-40B4-BE49-F238E27FC236}">
-                <a16:creationId xmlns:a16="http://schemas.microsoft.com/office/drawing/2014/main" id="{903AF51B-6AAC-40D7-8DDE-CB5881002090}"/>
-              </a:ext>
-            </a:extLst>
-          </p:cNvPr>
-          <p:cNvSpPr>
-            <a:spLocks noGrp="1"/>
-          </p:cNvSpPr>
-          <p:nvPr>
-            <p:ph type="title"/>
-          </p:nvPr>
-        </p:nvSpPr>
-        <p:spPr/>
-        <p:txBody>
-          <a:bodyPr/>
-          <a:lstStyle/>
-          <a:p>
-            <a:r>
-              <a:rPr lang="en-US" dirty="0"/>
-              <a:t>Check Win State / Game Over</a:t>
-            </a:r>
-          </a:p>
-        </p:txBody>
-      </p:sp>
-      <p:sp>
-        <p:nvSpPr>
-          <p:cNvPr id="3" name="Content Placeholder 2">
-            <a:extLst>
-              <a:ext uri="{FF2B5EF4-FFF2-40B4-BE49-F238E27FC236}">
-                <a16:creationId xmlns:a16="http://schemas.microsoft.com/office/drawing/2014/main" id="{67EE4AC1-44C4-43DE-B353-B570114D34FF}"/>
-              </a:ext>
-            </a:extLst>
-          </p:cNvPr>
-          <p:cNvSpPr>
-            <a:spLocks noGrp="1"/>
-          </p:cNvSpPr>
-          <p:nvPr>
-            <p:ph idx="1"/>
-          </p:nvPr>
-        </p:nvSpPr>
-        <p:spPr/>
-        <p:txBody>
-          <a:bodyPr/>
-          <a:lstStyle/>
-          <a:p>
-            <a:r>
-              <a:rPr lang="en-US" dirty="0"/>
-              <a:t>Win State</a:t>
-            </a:r>
-          </a:p>
-          <a:p>
-            <a:pPr lvl="1"/>
-            <a:r>
-              <a:rPr lang="en-US" dirty="0"/>
-              <a:t>A row or column has all of same player mark</a:t>
-            </a:r>
-          </a:p>
-          <a:p>
-            <a:pPr lvl="1"/>
-            <a:r>
-              <a:rPr lang="en-US" dirty="0"/>
-              <a:t>A diagonal has all of same player mark</a:t>
-            </a:r>
-          </a:p>
-          <a:p>
-            <a:r>
-              <a:rPr lang="en-US" dirty="0"/>
-              <a:t>Game Over</a:t>
-            </a:r>
-          </a:p>
-          <a:p>
-            <a:pPr lvl="1"/>
-            <a:r>
-              <a:rPr lang="en-US" dirty="0"/>
-              <a:t>All cells are filled with player marks</a:t>
-            </a:r>
-          </a:p>
-        </p:txBody>
-      </p:sp>
-    </p:spTree>
-    <p:extLst>
-      <p:ext uri="{BB962C8B-B14F-4D97-AF65-F5344CB8AC3E}">
-        <p14:creationId xmlns:p14="http://schemas.microsoft.com/office/powerpoint/2010/main" val="2077910394"/>
-      </p:ext>
-    </p:extLst>
-  </p:cSld>
-  <p:clrMapOvr>
-    <a:masterClrMapping/>
-  </p:clrMapOvr>
-</p:sld>
-</file>
-
-<file path=ppt/slides/slide13.xml><?xml version="1.0" encoding="utf-8"?>
-<p:sld xmlns:a="http://schemas.openxmlformats.org/drawingml/2006/main" xmlns:r="http://schemas.openxmlformats.org/officeDocument/2006/relationships" xmlns:p="http://schemas.openxmlformats.org/presentationml/2006/main">
-  <p:cSld>
-    <p:spTree>
-      <p:nvGrpSpPr>
-        <p:cNvPr id="1" name=""/>
-        <p:cNvGrpSpPr/>
-        <p:nvPr/>
-      </p:nvGrpSpPr>
-      <p:grpSpPr>
-        <a:xfrm>
-          <a:off x="0" y="0"/>
-          <a:ext cx="0" cy="0"/>
-          <a:chOff x="0" y="0"/>
-          <a:chExt cx="0" cy="0"/>
-        </a:xfrm>
-      </p:grpSpPr>
-      <p:sp>
-        <p:nvSpPr>
-          <p:cNvPr id="2" name="Title 1">
-            <a:extLst>
-              <a:ext uri="{FF2B5EF4-FFF2-40B4-BE49-F238E27FC236}">
-                <a16:creationId xmlns:a16="http://schemas.microsoft.com/office/drawing/2014/main" id="{B0E9DE51-00C5-4F4B-B7EF-84803DD2E062}"/>
-              </a:ext>
-            </a:extLst>
-          </p:cNvPr>
-          <p:cNvSpPr>
-            <a:spLocks noGrp="1"/>
-          </p:cNvSpPr>
-          <p:nvPr>
-            <p:ph type="title"/>
-          </p:nvPr>
-        </p:nvSpPr>
-        <p:spPr/>
-        <p:txBody>
-          <a:bodyPr/>
-          <a:lstStyle/>
-          <a:p>
-            <a:r>
-              <a:rPr lang="en-US" dirty="0"/>
-              <a:t>Other GUI Components</a:t>
-            </a:r>
-          </a:p>
-        </p:txBody>
-      </p:sp>
-      <p:sp>
-        <p:nvSpPr>
-          <p:cNvPr id="3" name="Content Placeholder 2">
-            <a:extLst>
-              <a:ext uri="{FF2B5EF4-FFF2-40B4-BE49-F238E27FC236}">
-                <a16:creationId xmlns:a16="http://schemas.microsoft.com/office/drawing/2014/main" id="{0962111F-1A25-46DF-AA4F-1B2EEE91B17B}"/>
-              </a:ext>
-            </a:extLst>
-          </p:cNvPr>
-          <p:cNvSpPr>
-            <a:spLocks noGrp="1"/>
-          </p:cNvSpPr>
-          <p:nvPr>
-            <p:ph idx="1"/>
-          </p:nvPr>
-        </p:nvSpPr>
-        <p:spPr/>
-        <p:txBody>
-          <a:bodyPr>
-            <a:normAutofit/>
-          </a:bodyPr>
-          <a:lstStyle/>
-          <a:p>
-            <a:r>
-              <a:rPr lang="en-US" dirty="0" err="1"/>
-              <a:t>JButton</a:t>
-            </a:r>
-            <a:r>
-              <a:rPr lang="en-US" dirty="0"/>
-              <a:t> to add a button </a:t>
-            </a:r>
-          </a:p>
-          <a:p>
-            <a:pPr lvl="1"/>
-            <a:r>
-              <a:rPr lang="en-US" dirty="0"/>
-              <a:t>Implement ActionListener and </a:t>
-            </a:r>
-            <a:r>
-              <a:rPr lang="en-US" dirty="0" err="1"/>
-              <a:t>actionPerformed</a:t>
-            </a:r>
-            <a:r>
-              <a:rPr lang="en-US" dirty="0"/>
-              <a:t> method to detect button presses</a:t>
-            </a:r>
-          </a:p>
-          <a:p>
-            <a:pPr lvl="1"/>
-            <a:r>
-              <a:rPr lang="en-US" dirty="0"/>
-              <a:t>Use constant (String final) for button label</a:t>
-            </a:r>
-          </a:p>
-          <a:p>
-            <a:pPr lvl="1"/>
-            <a:r>
-              <a:rPr lang="en-US" dirty="0" err="1"/>
-              <a:t>e.getActionCommand</a:t>
-            </a:r>
-            <a:r>
-              <a:rPr lang="en-US" dirty="0"/>
-              <a:t>() in </a:t>
-            </a:r>
-            <a:r>
-              <a:rPr lang="en-US" dirty="0" err="1"/>
-              <a:t>actionPerformed</a:t>
-            </a:r>
-            <a:r>
-              <a:rPr lang="en-US" dirty="0"/>
-              <a:t> to check button press</a:t>
-            </a:r>
-          </a:p>
-          <a:p>
-            <a:pPr lvl="1"/>
-            <a:r>
-              <a:rPr lang="en-US" dirty="0"/>
-              <a:t>string1.equals(string2) to compare Strings</a:t>
-            </a:r>
-          </a:p>
-          <a:p>
-            <a:r>
-              <a:rPr lang="en-US" dirty="0" err="1"/>
-              <a:t>JPanel</a:t>
-            </a:r>
-            <a:r>
-              <a:rPr lang="en-US" dirty="0"/>
-              <a:t> container to add multiple components</a:t>
-            </a:r>
-          </a:p>
-          <a:p>
-            <a:pPr lvl="1"/>
-            <a:r>
-              <a:rPr lang="en-US" dirty="0"/>
-              <a:t>Layouts of containers – </a:t>
-            </a:r>
-            <a:r>
-              <a:rPr lang="en-US" dirty="0" err="1"/>
-              <a:t>BorderLayout</a:t>
-            </a:r>
-            <a:r>
-              <a:rPr lang="en-US" dirty="0"/>
-              <a:t>, </a:t>
-            </a:r>
-            <a:r>
-              <a:rPr lang="en-US" dirty="0" err="1"/>
-              <a:t>GridLayout</a:t>
-            </a:r>
-            <a:r>
-              <a:rPr lang="en-US" dirty="0"/>
-              <a:t>, </a:t>
-            </a:r>
-            <a:r>
-              <a:rPr lang="en-US" dirty="0" err="1"/>
-              <a:t>BoxLayout</a:t>
-            </a:r>
-            <a:endParaRPr lang="en-US" dirty="0"/>
-          </a:p>
-          <a:p>
-            <a:endParaRPr lang="en-US" dirty="0"/>
-          </a:p>
-        </p:txBody>
-      </p:sp>
-    </p:spTree>
-    <p:extLst>
-      <p:ext uri="{BB962C8B-B14F-4D97-AF65-F5344CB8AC3E}">
-        <p14:creationId xmlns:p14="http://schemas.microsoft.com/office/powerpoint/2010/main" val="3831165915"/>
-      </p:ext>
-    </p:extLst>
-  </p:cSld>
-  <p:clrMapOvr>
-    <a:masterClrMapping/>
-  </p:clrMapOvr>
-</p:sld>
-</file>
-
 <file path=ppt/slides/slide14.xml><?xml version="1.0" encoding="utf-8"?>
 <p:sld xmlns:a="http://schemas.openxmlformats.org/drawingml/2006/main" xmlns:r="http://schemas.openxmlformats.org/officeDocument/2006/relationships" xmlns:p="http://schemas.openxmlformats.org/presentationml/2006/main">
   <p:cSld>
@@ -4628,6 +4632,300 @@
           <p:cNvPr id="2" name="Title 1">
             <a:extLst>
               <a:ext uri="{FF2B5EF4-FFF2-40B4-BE49-F238E27FC236}">
+                <a16:creationId xmlns:a16="http://schemas.microsoft.com/office/drawing/2014/main" id="{903AF51B-6AAC-40D7-8DDE-CB5881002090}"/>
+              </a:ext>
+            </a:extLst>
+          </p:cNvPr>
+          <p:cNvSpPr>
+            <a:spLocks noGrp="1"/>
+          </p:cNvSpPr>
+          <p:nvPr>
+            <p:ph type="title"/>
+          </p:nvPr>
+        </p:nvSpPr>
+        <p:spPr/>
+        <p:txBody>
+          <a:bodyPr/>
+          <a:lstStyle/>
+          <a:p>
+            <a:r>
+              <a:rPr lang="en-US" dirty="0"/>
+              <a:t>Check Win State / Game Over</a:t>
+            </a:r>
+          </a:p>
+        </p:txBody>
+      </p:sp>
+      <p:sp>
+        <p:nvSpPr>
+          <p:cNvPr id="3" name="Content Placeholder 2">
+            <a:extLst>
+              <a:ext uri="{FF2B5EF4-FFF2-40B4-BE49-F238E27FC236}">
+                <a16:creationId xmlns:a16="http://schemas.microsoft.com/office/drawing/2014/main" id="{67EE4AC1-44C4-43DE-B353-B570114D34FF}"/>
+              </a:ext>
+            </a:extLst>
+          </p:cNvPr>
+          <p:cNvSpPr>
+            <a:spLocks noGrp="1"/>
+          </p:cNvSpPr>
+          <p:nvPr>
+            <p:ph idx="1"/>
+          </p:nvPr>
+        </p:nvSpPr>
+        <p:spPr/>
+        <p:txBody>
+          <a:bodyPr/>
+          <a:lstStyle/>
+          <a:p>
+            <a:r>
+              <a:rPr lang="en-US" dirty="0"/>
+              <a:t>Win State</a:t>
+            </a:r>
+          </a:p>
+          <a:p>
+            <a:pPr lvl="1"/>
+            <a:r>
+              <a:rPr lang="en-US" dirty="0"/>
+              <a:t>A row or column has all of same player mark</a:t>
+            </a:r>
+          </a:p>
+          <a:p>
+            <a:pPr lvl="1"/>
+            <a:r>
+              <a:rPr lang="en-US" dirty="0"/>
+              <a:t>A diagonal has all of same player mark</a:t>
+            </a:r>
+          </a:p>
+          <a:p>
+            <a:r>
+              <a:rPr lang="en-US" dirty="0"/>
+              <a:t>Game Over</a:t>
+            </a:r>
+          </a:p>
+          <a:p>
+            <a:pPr lvl="1"/>
+            <a:r>
+              <a:rPr lang="en-US" dirty="0"/>
+              <a:t>All cells are filled with player marks</a:t>
+            </a:r>
+          </a:p>
+        </p:txBody>
+      </p:sp>
+    </p:spTree>
+    <p:extLst>
+      <p:ext uri="{BB962C8B-B14F-4D97-AF65-F5344CB8AC3E}">
+        <p14:creationId xmlns:p14="http://schemas.microsoft.com/office/powerpoint/2010/main" val="2077910394"/>
+      </p:ext>
+    </p:extLst>
+  </p:cSld>
+  <p:clrMapOvr>
+    <a:masterClrMapping/>
+  </p:clrMapOvr>
+</p:sld>
+</file>
+
+<file path=ppt/slides/slide15.xml><?xml version="1.0" encoding="utf-8"?>
+<p:sld xmlns:a="http://schemas.openxmlformats.org/drawingml/2006/main" xmlns:r="http://schemas.openxmlformats.org/officeDocument/2006/relationships" xmlns:p="http://schemas.openxmlformats.org/presentationml/2006/main">
+  <p:cSld>
+    <p:spTree>
+      <p:nvGrpSpPr>
+        <p:cNvPr id="1" name=""/>
+        <p:cNvGrpSpPr/>
+        <p:nvPr/>
+      </p:nvGrpSpPr>
+      <p:grpSpPr>
+        <a:xfrm>
+          <a:off x="0" y="0"/>
+          <a:ext cx="0" cy="0"/>
+          <a:chOff x="0" y="0"/>
+          <a:chExt cx="0" cy="0"/>
+        </a:xfrm>
+      </p:grpSpPr>
+      <p:sp>
+        <p:nvSpPr>
+          <p:cNvPr id="2" name="Title 1">
+            <a:extLst>
+              <a:ext uri="{FF2B5EF4-FFF2-40B4-BE49-F238E27FC236}">
+                <a16:creationId xmlns:a16="http://schemas.microsoft.com/office/drawing/2014/main" id="{B0E9DE51-00C5-4F4B-B7EF-84803DD2E062}"/>
+              </a:ext>
+            </a:extLst>
+          </p:cNvPr>
+          <p:cNvSpPr>
+            <a:spLocks noGrp="1"/>
+          </p:cNvSpPr>
+          <p:nvPr>
+            <p:ph type="title"/>
+          </p:nvPr>
+        </p:nvSpPr>
+        <p:spPr/>
+        <p:txBody>
+          <a:bodyPr/>
+          <a:lstStyle/>
+          <a:p>
+            <a:r>
+              <a:rPr lang="en-US" dirty="0"/>
+              <a:t>Other GUI Components</a:t>
+            </a:r>
+          </a:p>
+        </p:txBody>
+      </p:sp>
+      <p:sp>
+        <p:nvSpPr>
+          <p:cNvPr id="3" name="Content Placeholder 2">
+            <a:extLst>
+              <a:ext uri="{FF2B5EF4-FFF2-40B4-BE49-F238E27FC236}">
+                <a16:creationId xmlns:a16="http://schemas.microsoft.com/office/drawing/2014/main" id="{0962111F-1A25-46DF-AA4F-1B2EEE91B17B}"/>
+              </a:ext>
+            </a:extLst>
+          </p:cNvPr>
+          <p:cNvSpPr>
+            <a:spLocks noGrp="1"/>
+          </p:cNvSpPr>
+          <p:nvPr>
+            <p:ph idx="1"/>
+          </p:nvPr>
+        </p:nvSpPr>
+        <p:spPr/>
+        <p:txBody>
+          <a:bodyPr>
+            <a:normAutofit/>
+          </a:bodyPr>
+          <a:lstStyle/>
+          <a:p>
+            <a:r>
+              <a:rPr lang="en-US" dirty="0" err="1"/>
+              <a:t>JButton</a:t>
+            </a:r>
+            <a:r>
+              <a:rPr lang="en-US" dirty="0"/>
+              <a:t> to add a button </a:t>
+            </a:r>
+          </a:p>
+          <a:p>
+            <a:pPr lvl="1"/>
+            <a:r>
+              <a:rPr lang="en-US" dirty="0"/>
+              <a:t>Implement ActionListener and </a:t>
+            </a:r>
+            <a:r>
+              <a:rPr lang="en-US" dirty="0" err="1"/>
+              <a:t>actionPerformed</a:t>
+            </a:r>
+            <a:r>
+              <a:rPr lang="en-US" dirty="0"/>
+              <a:t> method to detect button presses</a:t>
+            </a:r>
+          </a:p>
+          <a:p>
+            <a:pPr lvl="1"/>
+            <a:r>
+              <a:rPr lang="en-US" dirty="0"/>
+              <a:t>Use constant (String final) for button label</a:t>
+            </a:r>
+          </a:p>
+          <a:p>
+            <a:pPr lvl="1"/>
+            <a:r>
+              <a:rPr lang="en-US" dirty="0" err="1"/>
+              <a:t>e.getActionCommand</a:t>
+            </a:r>
+            <a:r>
+              <a:rPr lang="en-US" dirty="0"/>
+              <a:t>() in </a:t>
+            </a:r>
+            <a:r>
+              <a:rPr lang="en-US" dirty="0" err="1"/>
+              <a:t>actionPerformed</a:t>
+            </a:r>
+            <a:r>
+              <a:rPr lang="en-US" dirty="0"/>
+              <a:t> to check button press</a:t>
+            </a:r>
+          </a:p>
+          <a:p>
+            <a:pPr lvl="1"/>
+            <a:r>
+              <a:rPr lang="en-US" dirty="0"/>
+              <a:t>string1.equals(string2) to compare Strings</a:t>
+            </a:r>
+          </a:p>
+          <a:p>
+            <a:r>
+              <a:rPr lang="en-US" dirty="0" err="1"/>
+              <a:t>JPanel</a:t>
+            </a:r>
+            <a:r>
+              <a:rPr lang="en-US" dirty="0"/>
+              <a:t> container to add multiple components</a:t>
+            </a:r>
+          </a:p>
+          <a:p>
+            <a:pPr lvl="1"/>
+            <a:r>
+              <a:rPr lang="en-US" dirty="0"/>
+              <a:t>Layouts of containers – </a:t>
+            </a:r>
+            <a:r>
+              <a:rPr lang="en-US" dirty="0" err="1"/>
+              <a:t>BorderLayout</a:t>
+            </a:r>
+            <a:r>
+              <a:rPr lang="en-US" dirty="0"/>
+              <a:t>, </a:t>
+            </a:r>
+            <a:r>
+              <a:rPr lang="en-US" dirty="0" err="1"/>
+              <a:t>GridLayout</a:t>
+            </a:r>
+            <a:r>
+              <a:rPr lang="en-US" dirty="0"/>
+              <a:t>, </a:t>
+            </a:r>
+            <a:r>
+              <a:rPr lang="en-US" dirty="0" err="1"/>
+              <a:t>BoxLayout</a:t>
+            </a:r>
+            <a:endParaRPr lang="en-US" dirty="0"/>
+          </a:p>
+          <a:p>
+            <a:endParaRPr lang="en-US" dirty="0"/>
+          </a:p>
+        </p:txBody>
+      </p:sp>
+    </p:spTree>
+    <p:extLst>
+      <p:ext uri="{BB962C8B-B14F-4D97-AF65-F5344CB8AC3E}">
+        <p14:creationId xmlns:p14="http://schemas.microsoft.com/office/powerpoint/2010/main" val="3831165915"/>
+      </p:ext>
+    </p:extLst>
+  </p:cSld>
+  <p:clrMapOvr>
+    <a:masterClrMapping/>
+  </p:clrMapOvr>
+</p:sld>
+</file>
+
+<file path=ppt/slides/slide16.xml><?xml version="1.0" encoding="utf-8"?>
+<p:sld xmlns:a="http://schemas.openxmlformats.org/drawingml/2006/main" xmlns:r="http://schemas.openxmlformats.org/officeDocument/2006/relationships" xmlns:p="http://schemas.openxmlformats.org/presentationml/2006/main">
+  <p:cSld>
+    <p:spTree>
+      <p:nvGrpSpPr>
+        <p:cNvPr id="1" name=""/>
+        <p:cNvGrpSpPr/>
+        <p:nvPr/>
+      </p:nvGrpSpPr>
+      <p:grpSpPr>
+        <a:xfrm>
+          <a:off x="0" y="0"/>
+          <a:ext cx="0" cy="0"/>
+          <a:chOff x="0" y="0"/>
+          <a:chExt cx="0" cy="0"/>
+        </a:xfrm>
+      </p:grpSpPr>
+      <p:sp>
+        <p:nvSpPr>
+          <p:cNvPr id="2" name="Title 1">
+            <a:extLst>
+              <a:ext uri="{FF2B5EF4-FFF2-40B4-BE49-F238E27FC236}">
                 <a16:creationId xmlns:a16="http://schemas.microsoft.com/office/drawing/2014/main" id="{B92179C2-0B4A-4A44-A644-133FBC4219E6}"/>
               </a:ext>
             </a:extLst>
@@ -4667,7 +4965,7 @@
             <p:ph idx="1"/>
             <p:extLst>
               <p:ext uri="{D42A27DB-BD31-4B8C-83A1-F6EECF244321}">
-                <p14:modId xmlns:p14="http://schemas.microsoft.com/office/powerpoint/2010/main" val="64425454"/>
+                <p14:modId xmlns:p14="http://schemas.microsoft.com/office/powerpoint/2010/main" val="19748340"/>
               </p:ext>
             </p:extLst>
           </p:nvPr>
@@ -4680,7 +4978,7 @@
           <a:graphicData uri="http://schemas.openxmlformats.org/drawingml/2006/table">
             <a:tbl>
               <a:tblPr firstRow="1" bandRow="1">
-                <a:tableStyleId>{B301B821-A1FF-4177-AEE7-76D212191A09}</a:tableStyleId>
+                <a:tableStyleId>{69CF1AB2-1976-4502-BF36-3FF5EA218861}</a:tableStyleId>
               </a:tblPr>
               <a:tblGrid>
                 <a:gridCol w="3505200">
@@ -4807,7 +5105,7 @@
                     <a:p>
                       <a:r>
                         <a:rPr lang="en-US" dirty="0"/>
-                        <a:t>subclass</a:t>
+                        <a:t>define subclass</a:t>
                       </a:r>
                     </a:p>
                   </a:txBody>
@@ -4973,7 +5271,14 @@
                     <a:bodyPr/>
                     <a:lstStyle/>
                     <a:p>
-                      <a:endParaRPr lang="en-US"/>
+                      <a:r>
+                        <a:rPr lang="en-US" dirty="0" err="1"/>
+                        <a:t>Random.Range</a:t>
+                      </a:r>
+                      <a:r>
+                        <a:rPr lang="en-US" dirty="0"/>
+                        <a:t>()</a:t>
+                      </a:r>
                     </a:p>
                   </a:txBody>
                   <a:tcPr/>
@@ -5005,7 +5310,7 @@
                     <a:p>
                       <a:r>
                         <a:rPr lang="en-US" dirty="0"/>
-                        <a:t>Final</a:t>
+                        <a:t>final</a:t>
                       </a:r>
                     </a:p>
                   </a:txBody>
@@ -5036,7 +5341,10 @@
                     <a:bodyPr/>
                     <a:lstStyle/>
                     <a:p>
-                      <a:endParaRPr lang="en-US" dirty="0"/>
+                      <a:r>
+                        <a:rPr lang="en-US" dirty="0"/>
+                        <a:t>print debug text</a:t>
+                      </a:r>
                     </a:p>
                   </a:txBody>
                   <a:tcPr/>
@@ -5046,7 +5354,14 @@
                     <a:bodyPr/>
                     <a:lstStyle/>
                     <a:p>
-                      <a:endParaRPr lang="en-US" dirty="0"/>
+                      <a:r>
+                        <a:rPr lang="en-US" dirty="0" err="1"/>
+                        <a:t>System.out.println</a:t>
+                      </a:r>
+                      <a:r>
+                        <a:rPr lang="en-US" dirty="0"/>
+                        <a:t>(“text”);</a:t>
+                      </a:r>
                     </a:p>
                   </a:txBody>
                   <a:tcPr/>
@@ -5056,7 +5371,14 @@
                     <a:bodyPr/>
                     <a:lstStyle/>
                     <a:p>
-                      <a:endParaRPr lang="en-US" dirty="0"/>
+                      <a:r>
+                        <a:rPr lang="en-US" dirty="0" err="1"/>
+                        <a:t>Debug.Log</a:t>
+                      </a:r>
+                      <a:r>
+                        <a:rPr lang="en-US" dirty="0"/>
+                        <a:t>(“text”); //Unity</a:t>
+                      </a:r>
                     </a:p>
                   </a:txBody>
                   <a:tcPr/>
@@ -5084,6 +5406,104 @@
 </p:sld>
 </file>
 
+<file path=ppt/slides/slide17.xml><?xml version="1.0" encoding="utf-8"?>
+<p:sld xmlns:a="http://schemas.openxmlformats.org/drawingml/2006/main" xmlns:r="http://schemas.openxmlformats.org/officeDocument/2006/relationships" xmlns:p="http://schemas.openxmlformats.org/presentationml/2006/main">
+  <p:cSld>
+    <p:spTree>
+      <p:nvGrpSpPr>
+        <p:cNvPr id="1" name=""/>
+        <p:cNvGrpSpPr/>
+        <p:nvPr/>
+      </p:nvGrpSpPr>
+      <p:grpSpPr>
+        <a:xfrm>
+          <a:off x="0" y="0"/>
+          <a:ext cx="0" cy="0"/>
+          <a:chOff x="0" y="0"/>
+          <a:chExt cx="0" cy="0"/>
+        </a:xfrm>
+      </p:grpSpPr>
+      <p:sp>
+        <p:nvSpPr>
+          <p:cNvPr id="2" name="Title 1">
+            <a:extLst>
+              <a:ext uri="{FF2B5EF4-FFF2-40B4-BE49-F238E27FC236}">
+                <a16:creationId xmlns:a16="http://schemas.microsoft.com/office/drawing/2014/main" id="{210C8038-7D4A-48B6-85F3-6A2BBF91B2DC}"/>
+              </a:ext>
+            </a:extLst>
+          </p:cNvPr>
+          <p:cNvSpPr>
+            <a:spLocks noGrp="1"/>
+          </p:cNvSpPr>
+          <p:nvPr>
+            <p:ph type="title"/>
+          </p:nvPr>
+        </p:nvSpPr>
+        <p:spPr/>
+        <p:txBody>
+          <a:bodyPr/>
+          <a:lstStyle/>
+          <a:p>
+            <a:r>
+              <a:rPr lang="en-US" dirty="0"/>
+              <a:t>Packaging Your Game</a:t>
+            </a:r>
+          </a:p>
+        </p:txBody>
+      </p:sp>
+      <p:sp>
+        <p:nvSpPr>
+          <p:cNvPr id="3" name="Content Placeholder 2">
+            <a:extLst>
+              <a:ext uri="{FF2B5EF4-FFF2-40B4-BE49-F238E27FC236}">
+                <a16:creationId xmlns:a16="http://schemas.microsoft.com/office/drawing/2014/main" id="{86651607-60A2-4468-ABBD-DB22C86477E8}"/>
+              </a:ext>
+            </a:extLst>
+          </p:cNvPr>
+          <p:cNvSpPr>
+            <a:spLocks noGrp="1"/>
+          </p:cNvSpPr>
+          <p:nvPr>
+            <p:ph idx="1"/>
+          </p:nvPr>
+        </p:nvSpPr>
+        <p:spPr/>
+        <p:txBody>
+          <a:bodyPr/>
+          <a:lstStyle/>
+          <a:p>
+            <a:r>
+              <a:rPr lang="en-US" dirty="0"/>
+              <a:t>Multiple class files can be bundled into a JAR file (Java Archive)</a:t>
+            </a:r>
+          </a:p>
+          <a:p>
+            <a:r>
+              <a:rPr lang="en-US" dirty="0"/>
+              <a:t>Must include Manifest file with default class property</a:t>
+            </a:r>
+          </a:p>
+          <a:p>
+            <a:r>
+              <a:rPr lang="en-US" dirty="0"/>
+              <a:t>If JRE is installed on system, then double clicking the JAR will run the program</a:t>
+            </a:r>
+          </a:p>
+        </p:txBody>
+      </p:sp>
+    </p:spTree>
+    <p:extLst>
+      <p:ext uri="{BB962C8B-B14F-4D97-AF65-F5344CB8AC3E}">
+        <p14:creationId xmlns:p14="http://schemas.microsoft.com/office/powerpoint/2010/main" val="838375581"/>
+      </p:ext>
+    </p:extLst>
+  </p:cSld>
+  <p:clrMapOvr>
+    <a:masterClrMapping/>
+  </p:clrMapOvr>
+</p:sld>
+</file>
+
 <file path=ppt/slides/slide2.xml><?xml version="1.0" encoding="utf-8"?>
 <p:sld xmlns:a="http://schemas.openxmlformats.org/drawingml/2006/main" xmlns:r="http://schemas.openxmlformats.org/officeDocument/2006/relationships" xmlns:p="http://schemas.openxmlformats.org/presentationml/2006/main">
   <p:cSld>
@@ -5239,6 +5659,139 @@
 </file>
 
 <file path=ppt/slides/slide3.xml><?xml version="1.0" encoding="utf-8"?>
+<p:sld xmlns:a="http://schemas.openxmlformats.org/drawingml/2006/main" xmlns:r="http://schemas.openxmlformats.org/officeDocument/2006/relationships" xmlns:p="http://schemas.openxmlformats.org/presentationml/2006/main">
+  <p:cSld>
+    <p:spTree>
+      <p:nvGrpSpPr>
+        <p:cNvPr id="1" name=""/>
+        <p:cNvGrpSpPr/>
+        <p:nvPr/>
+      </p:nvGrpSpPr>
+      <p:grpSpPr>
+        <a:xfrm>
+          <a:off x="0" y="0"/>
+          <a:ext cx="0" cy="0"/>
+          <a:chOff x="0" y="0"/>
+          <a:chExt cx="0" cy="0"/>
+        </a:xfrm>
+      </p:grpSpPr>
+      <p:sp>
+        <p:nvSpPr>
+          <p:cNvPr id="3" name="Content Placeholder 2">
+            <a:extLst>
+              <a:ext uri="{FF2B5EF4-FFF2-40B4-BE49-F238E27FC236}">
+                <a16:creationId xmlns:a16="http://schemas.microsoft.com/office/drawing/2014/main" id="{B79B5282-9646-4000-9B06-C20FFCC26071}"/>
+              </a:ext>
+            </a:extLst>
+          </p:cNvPr>
+          <p:cNvSpPr>
+            <a:spLocks noGrp="1"/>
+          </p:cNvSpPr>
+          <p:nvPr>
+            <p:ph idx="1"/>
+          </p:nvPr>
+        </p:nvSpPr>
+        <p:spPr/>
+        <p:txBody>
+          <a:bodyPr/>
+          <a:lstStyle/>
+          <a:p>
+            <a:r>
+              <a:rPr lang="en-US" dirty="0"/>
+              <a:t>Pros</a:t>
+            </a:r>
+          </a:p>
+          <a:p>
+            <a:pPr lvl="1"/>
+            <a:r>
+              <a:rPr lang="en-US" dirty="0"/>
+              <a:t>Bytecode runs on multiple platforms (Windows, Mac, Linux, </a:t>
+            </a:r>
+            <a:r>
+              <a:rPr lang="en-US" dirty="0" err="1"/>
+              <a:t>etc</a:t>
+            </a:r>
+            <a:r>
+              <a:rPr lang="en-US" dirty="0"/>
+              <a:t>)</a:t>
+            </a:r>
+          </a:p>
+          <a:p>
+            <a:pPr lvl="1"/>
+            <a:r>
+              <a:rPr lang="en-US" dirty="0"/>
+              <a:t>Old bytecode still works with latest JRE (Java Runtime Environment)</a:t>
+            </a:r>
+          </a:p>
+          <a:p>
+            <a:pPr lvl="1"/>
+            <a:r>
+              <a:rPr lang="en-US" dirty="0"/>
+              <a:t>Graphics API (AWT/Swing) built directly into the language</a:t>
+            </a:r>
+          </a:p>
+          <a:p>
+            <a:pPr lvl="2"/>
+            <a:r>
+              <a:rPr lang="en-US" dirty="0"/>
+              <a:t>No libraries required</a:t>
+            </a:r>
+          </a:p>
+          <a:p>
+            <a:pPr lvl="1"/>
+            <a:endParaRPr lang="en-US" dirty="0"/>
+          </a:p>
+          <a:p>
+            <a:r>
+              <a:rPr lang="en-US" dirty="0"/>
+              <a:t>Cons</a:t>
+            </a:r>
+          </a:p>
+          <a:p>
+            <a:pPr lvl="1"/>
+            <a:r>
+              <a:rPr lang="en-US" dirty="0"/>
+              <a:t>Need to install or distribute JRE</a:t>
+            </a:r>
+          </a:p>
+          <a:p>
+            <a:pPr lvl="1"/>
+            <a:r>
+              <a:rPr lang="en-US" dirty="0"/>
+              <a:t>Loading assets (graphics, sounds, </a:t>
+            </a:r>
+            <a:r>
+              <a:rPr lang="en-US" dirty="0" err="1"/>
+              <a:t>etc</a:t>
+            </a:r>
+            <a:r>
+              <a:rPr lang="en-US" dirty="0"/>
+              <a:t>) is not straight forward</a:t>
+            </a:r>
+          </a:p>
+          <a:p>
+            <a:pPr lvl="1"/>
+            <a:r>
+              <a:rPr lang="en-US" dirty="0"/>
+              <a:t>“Slower” than platform specific executables (such as Windows EXEs)</a:t>
+            </a:r>
+          </a:p>
+        </p:txBody>
+      </p:sp>
+    </p:spTree>
+    <p:extLst>
+      <p:ext uri="{BB962C8B-B14F-4D97-AF65-F5344CB8AC3E}">
+        <p14:creationId xmlns:p14="http://schemas.microsoft.com/office/powerpoint/2010/main" val="3782935703"/>
+      </p:ext>
+    </p:extLst>
+  </p:cSld>
+  <p:clrMapOvr>
+    <a:masterClrMapping/>
+  </p:clrMapOvr>
+</p:sld>
+</file>
+
+<file path=ppt/slides/slide4.xml><?xml version="1.0" encoding="utf-8"?>
 <p:sld xmlns:a="http://schemas.openxmlformats.org/drawingml/2006/main" xmlns:r="http://schemas.openxmlformats.org/officeDocument/2006/relationships" xmlns:p="http://schemas.openxmlformats.org/presentationml/2006/main">
   <p:cSld>
     <p:spTree>
@@ -5405,7 +5958,7 @@
 </p:sld>
 </file>
 
-<file path=ppt/slides/slide4.xml><?xml version="1.0" encoding="utf-8"?>
+<file path=ppt/slides/slide5.xml><?xml version="1.0" encoding="utf-8"?>
 <p:sld xmlns:a="http://schemas.openxmlformats.org/drawingml/2006/main" xmlns:r="http://schemas.openxmlformats.org/officeDocument/2006/relationships" xmlns:p="http://schemas.openxmlformats.org/presentationml/2006/main">
   <p:cSld>
     <p:spTree>
@@ -5689,7 +6242,7 @@
 </p:sld>
 </file>
 
-<file path=ppt/slides/slide5.xml><?xml version="1.0" encoding="utf-8"?>
+<file path=ppt/slides/slide6.xml><?xml version="1.0" encoding="utf-8"?>
 <p:sld xmlns:a="http://schemas.openxmlformats.org/drawingml/2006/main" xmlns:r="http://schemas.openxmlformats.org/officeDocument/2006/relationships" xmlns:p="http://schemas.openxmlformats.org/presentationml/2006/main">
   <p:cSld>
     <p:spTree>
@@ -5795,7 +6348,13 @@
           <a:p>
             <a:r>
               <a:rPr lang="en-US" dirty="0"/>
-              <a:t>No need to delete/free objects</a:t>
+              <a:t>No need to delete/free objects, Garbage collection</a:t>
+            </a:r>
+          </a:p>
+          <a:p>
+            <a:r>
+              <a:rPr lang="en-US" dirty="0"/>
+              <a:t>Methods and Variable scoping (public, private, protected)</a:t>
             </a:r>
           </a:p>
           <a:p>
@@ -5831,7 +6390,7 @@
 </p:sld>
 </file>
 
-<file path=ppt/slides/slide6.xml><?xml version="1.0" encoding="utf-8"?>
+<file path=ppt/slides/slide7.xml><?xml version="1.0" encoding="utf-8"?>
 <p:sld xmlns:a="http://schemas.openxmlformats.org/drawingml/2006/main" xmlns:r="http://schemas.openxmlformats.org/officeDocument/2006/relationships" xmlns:p="http://schemas.openxmlformats.org/presentationml/2006/main">
   <p:cSld>
     <p:spTree>
@@ -5966,180 +6525,6 @@
 </p:sld>
 </file>
 
-<file path=ppt/slides/slide7.xml><?xml version="1.0" encoding="utf-8"?>
-<p:sld xmlns:a="http://schemas.openxmlformats.org/drawingml/2006/main" xmlns:r="http://schemas.openxmlformats.org/officeDocument/2006/relationships" xmlns:p="http://schemas.openxmlformats.org/presentationml/2006/main">
-  <p:cSld>
-    <p:spTree>
-      <p:nvGrpSpPr>
-        <p:cNvPr id="1" name=""/>
-        <p:cNvGrpSpPr/>
-        <p:nvPr/>
-      </p:nvGrpSpPr>
-      <p:grpSpPr>
-        <a:xfrm>
-          <a:off x="0" y="0"/>
-          <a:ext cx="0" cy="0"/>
-          <a:chOff x="0" y="0"/>
-          <a:chExt cx="0" cy="0"/>
-        </a:xfrm>
-      </p:grpSpPr>
-      <p:sp>
-        <p:nvSpPr>
-          <p:cNvPr id="2" name="Title 1">
-            <a:extLst>
-              <a:ext uri="{FF2B5EF4-FFF2-40B4-BE49-F238E27FC236}">
-                <a16:creationId xmlns:a16="http://schemas.microsoft.com/office/drawing/2014/main" id="{1BECCE9F-F13E-43C7-A38B-C3C32B3BDF66}"/>
-              </a:ext>
-            </a:extLst>
-          </p:cNvPr>
-          <p:cNvSpPr>
-            <a:spLocks noGrp="1"/>
-          </p:cNvSpPr>
-          <p:nvPr>
-            <p:ph type="title"/>
-          </p:nvPr>
-        </p:nvSpPr>
-        <p:spPr/>
-        <p:txBody>
-          <a:bodyPr/>
-          <a:lstStyle/>
-          <a:p>
-            <a:r>
-              <a:rPr lang="en-US" dirty="0"/>
-              <a:t>Making a Window</a:t>
-            </a:r>
-          </a:p>
-        </p:txBody>
-      </p:sp>
-      <p:sp>
-        <p:nvSpPr>
-          <p:cNvPr id="3" name="Content Placeholder 2">
-            <a:extLst>
-              <a:ext uri="{FF2B5EF4-FFF2-40B4-BE49-F238E27FC236}">
-                <a16:creationId xmlns:a16="http://schemas.microsoft.com/office/drawing/2014/main" id="{8AA80680-3F7A-4314-9730-FF0D6C84CEDA}"/>
-              </a:ext>
-            </a:extLst>
-          </p:cNvPr>
-          <p:cNvSpPr>
-            <a:spLocks noGrp="1"/>
-          </p:cNvSpPr>
-          <p:nvPr>
-            <p:ph idx="1"/>
-          </p:nvPr>
-        </p:nvSpPr>
-        <p:spPr>
-          <a:xfrm>
-            <a:off x="838200" y="1825625"/>
-            <a:ext cx="5850114" cy="4351338"/>
-          </a:xfrm>
-        </p:spPr>
-        <p:txBody>
-          <a:bodyPr/>
-          <a:lstStyle/>
-          <a:p>
-            <a:r>
-              <a:rPr lang="en-US" dirty="0"/>
-              <a:t>AWT - Abstract Window Toolkit</a:t>
-            </a:r>
-          </a:p>
-          <a:p>
-            <a:pPr lvl="1"/>
-            <a:r>
-              <a:rPr lang="en-US" dirty="0"/>
-              <a:t>Java’s GUI components</a:t>
-            </a:r>
-          </a:p>
-          <a:p>
-            <a:r>
-              <a:rPr lang="en-US" dirty="0"/>
-              <a:t>Swing – Java’s attempt at making platform independent GUI components</a:t>
-            </a:r>
-          </a:p>
-        </p:txBody>
-      </p:sp>
-      <p:pic>
-        <p:nvPicPr>
-          <p:cNvPr id="4" name="Picture 3">
-            <a:extLst>
-              <a:ext uri="{FF2B5EF4-FFF2-40B4-BE49-F238E27FC236}">
-                <a16:creationId xmlns:a16="http://schemas.microsoft.com/office/drawing/2014/main" id="{51DC9E8D-A357-41AE-AA81-43989AD586B3}"/>
-              </a:ext>
-            </a:extLst>
-          </p:cNvPr>
-          <p:cNvPicPr>
-            <a:picLocks noChangeAspect="1"/>
-          </p:cNvPicPr>
-          <p:nvPr/>
-        </p:nvPicPr>
-        <p:blipFill>
-          <a:blip r:embed="rId2"/>
-          <a:stretch>
-            <a:fillRect/>
-          </a:stretch>
-        </p:blipFill>
-        <p:spPr>
-          <a:xfrm>
-            <a:off x="6688314" y="1690688"/>
-            <a:ext cx="4933950" cy="3590925"/>
-          </a:xfrm>
-          <a:prstGeom prst="rect">
-            <a:avLst/>
-          </a:prstGeom>
-          <a:ln>
-            <a:noFill/>
-          </a:ln>
-          <a:effectLst>
-            <a:outerShdw blurRad="292100" dist="139700" dir="2700000" algn="tl" rotWithShape="0">
-              <a:srgbClr val="333333">
-                <a:alpha val="65000"/>
-              </a:srgbClr>
-            </a:outerShdw>
-          </a:effectLst>
-        </p:spPr>
-      </p:pic>
-      <p:pic>
-        <p:nvPicPr>
-          <p:cNvPr id="5" name="Picture 4">
-            <a:extLst>
-              <a:ext uri="{FF2B5EF4-FFF2-40B4-BE49-F238E27FC236}">
-                <a16:creationId xmlns:a16="http://schemas.microsoft.com/office/drawing/2014/main" id="{EF1C4531-A33B-46A9-B25E-02668D02F60E}"/>
-              </a:ext>
-            </a:extLst>
-          </p:cNvPr>
-          <p:cNvPicPr>
-            <a:picLocks noChangeAspect="1"/>
-          </p:cNvPicPr>
-          <p:nvPr/>
-        </p:nvPicPr>
-        <p:blipFill>
-          <a:blip r:embed="rId3"/>
-          <a:stretch>
-            <a:fillRect/>
-          </a:stretch>
-        </p:blipFill>
-        <p:spPr>
-          <a:xfrm>
-            <a:off x="3026833" y="4234407"/>
-            <a:ext cx="2865967" cy="2258468"/>
-          </a:xfrm>
-          <a:prstGeom prst="rect">
-            <a:avLst/>
-          </a:prstGeom>
-        </p:spPr>
-      </p:pic>
-    </p:spTree>
-    <p:extLst>
-      <p:ext uri="{BB962C8B-B14F-4D97-AF65-F5344CB8AC3E}">
-        <p14:creationId xmlns:p14="http://schemas.microsoft.com/office/powerpoint/2010/main" val="280353376"/>
-      </p:ext>
-    </p:extLst>
-  </p:cSld>
-  <p:clrMapOvr>
-    <a:masterClrMapping/>
-  </p:clrMapOvr>
-</p:sld>
-</file>
-
 <file path=ppt/slides/slide8.xml><?xml version="1.0" encoding="utf-8"?>
 <p:sld xmlns:a="http://schemas.openxmlformats.org/drawingml/2006/main" xmlns:r="http://schemas.openxmlformats.org/officeDocument/2006/relationships" xmlns:p="http://schemas.openxmlformats.org/presentationml/2006/main">
   <p:cSld>
@@ -6162,7 +6547,7 @@
           <p:cNvPr id="2" name="Title 1">
             <a:extLst>
               <a:ext uri="{FF2B5EF4-FFF2-40B4-BE49-F238E27FC236}">
-                <a16:creationId xmlns:a16="http://schemas.microsoft.com/office/drawing/2014/main" id="{CDD4768E-4BB5-4638-A89A-F350EE857EE6}"/>
+                <a16:creationId xmlns:a16="http://schemas.microsoft.com/office/drawing/2014/main" id="{1BECCE9F-F13E-43C7-A38B-C3C32B3BDF66}"/>
               </a:ext>
             </a:extLst>
           </p:cNvPr>
@@ -6180,7 +6565,7 @@
           <a:p>
             <a:r>
               <a:rPr lang="en-US" dirty="0"/>
-              <a:t>Drawing to the Window</a:t>
+              <a:t>Making a Window</a:t>
             </a:r>
           </a:p>
         </p:txBody>
@@ -6190,7 +6575,7 @@
           <p:cNvPr id="3" name="Content Placeholder 2">
             <a:extLst>
               <a:ext uri="{FF2B5EF4-FFF2-40B4-BE49-F238E27FC236}">
-                <a16:creationId xmlns:a16="http://schemas.microsoft.com/office/drawing/2014/main" id="{382F3622-02A7-4CFA-9F1C-C989AECB6869}"/>
+                <a16:creationId xmlns:a16="http://schemas.microsoft.com/office/drawing/2014/main" id="{8AA80680-3F7A-4314-9730-FF0D6C84CEDA}"/>
               </a:ext>
             </a:extLst>
           </p:cNvPr>
@@ -6201,116 +6586,110 @@
             <p:ph idx="1"/>
           </p:nvPr>
         </p:nvSpPr>
-        <p:spPr/>
+        <p:spPr>
+          <a:xfrm>
+            <a:off x="838200" y="1825625"/>
+            <a:ext cx="5850114" cy="4351338"/>
+          </a:xfrm>
+        </p:spPr>
         <p:txBody>
           <a:bodyPr/>
           <a:lstStyle/>
           <a:p>
             <a:r>
               <a:rPr lang="en-US" dirty="0"/>
-              <a:t>Make a new </a:t>
-            </a:r>
-            <a:r>
-              <a:rPr lang="en-US" dirty="0" err="1"/>
-              <a:t>JComponent</a:t>
-            </a:r>
-            <a:r>
-              <a:rPr lang="en-US" dirty="0"/>
-              <a:t> subclass for drawing</a:t>
-            </a:r>
-          </a:p>
-          <a:p>
-            <a:r>
-              <a:rPr lang="en-US" dirty="0"/>
-              <a:t>Override </a:t>
-            </a:r>
-            <a:r>
-              <a:rPr lang="en-US" dirty="0" err="1"/>
-              <a:t>paintComponent</a:t>
-            </a:r>
-            <a:r>
-              <a:rPr lang="en-US" i="1" dirty="0"/>
-              <a:t>(Graphics g)</a:t>
-            </a:r>
-            <a:r>
-              <a:rPr lang="en-US" dirty="0"/>
-              <a:t> to draw</a:t>
-            </a:r>
-          </a:p>
-          <a:p>
-            <a:r>
-              <a:rPr lang="en-US" dirty="0"/>
-              <a:t>Rectangles – </a:t>
-            </a:r>
-            <a:r>
-              <a:rPr lang="en-US" dirty="0" err="1"/>
-              <a:t>g.fillRect</a:t>
-            </a:r>
-            <a:r>
-              <a:rPr lang="en-US" dirty="0"/>
-              <a:t>(x, y , width, height)</a:t>
-            </a:r>
-          </a:p>
-          <a:p>
-            <a:r>
-              <a:rPr lang="en-US" dirty="0"/>
-              <a:t>Lines – </a:t>
-            </a:r>
-            <a:r>
-              <a:rPr lang="en-US" dirty="0" err="1"/>
-              <a:t>g.drawLine</a:t>
-            </a:r>
-            <a:r>
-              <a:rPr lang="en-US" dirty="0"/>
-              <a:t>(x1, y1, x2, y2)</a:t>
-            </a:r>
-          </a:p>
-          <a:p>
-            <a:r>
-              <a:rPr lang="en-US" dirty="0"/>
-              <a:t>Text – </a:t>
-            </a:r>
-            <a:r>
-              <a:rPr lang="en-US" dirty="0" err="1"/>
-              <a:t>g.drawString</a:t>
-            </a:r>
-            <a:r>
-              <a:rPr lang="en-US" dirty="0"/>
-              <a:t>(string, x, y)</a:t>
-            </a:r>
-          </a:p>
-          <a:p>
-            <a:r>
-              <a:rPr lang="en-US" dirty="0"/>
-              <a:t>Set color - </a:t>
-            </a:r>
-            <a:r>
-              <a:rPr lang="en-US" dirty="0" err="1"/>
-              <a:t>g.setColor</a:t>
-            </a:r>
-            <a:r>
-              <a:rPr lang="en-US" dirty="0"/>
-              <a:t>(</a:t>
-            </a:r>
-            <a:r>
-              <a:rPr lang="en-US" dirty="0" err="1"/>
-              <a:t>Color.green</a:t>
-            </a:r>
-            <a:r>
-              <a:rPr lang="en-US" dirty="0"/>
-              <a:t>)</a:t>
+              <a:t>AWT - Abstract Window Toolkit</a:t>
             </a:r>
           </a:p>
           <a:p>
             <a:pPr lvl="1"/>
-            <a:endParaRPr lang="en-US" dirty="0"/>
-          </a:p>
-        </p:txBody>
-      </p:sp>
+            <a:r>
+              <a:rPr lang="en-US" dirty="0"/>
+              <a:t>Java’s GUI components</a:t>
+            </a:r>
+          </a:p>
+          <a:p>
+            <a:r>
+              <a:rPr lang="en-US" dirty="0"/>
+              <a:t>Swing – Java’s attempt at making platform independent GUI components</a:t>
+            </a:r>
+          </a:p>
+        </p:txBody>
+      </p:sp>
+      <p:pic>
+        <p:nvPicPr>
+          <p:cNvPr id="6" name="Picture 5">
+            <a:extLst>
+              <a:ext uri="{FF2B5EF4-FFF2-40B4-BE49-F238E27FC236}">
+                <a16:creationId xmlns:a16="http://schemas.microsoft.com/office/drawing/2014/main" id="{82868716-FD7E-473F-B04E-9A03183D43B5}"/>
+              </a:ext>
+            </a:extLst>
+          </p:cNvPr>
+          <p:cNvPicPr>
+            <a:picLocks noChangeAspect="1"/>
+          </p:cNvPicPr>
+          <p:nvPr/>
+        </p:nvPicPr>
+        <p:blipFill>
+          <a:blip r:embed="rId2"/>
+          <a:stretch>
+            <a:fillRect/>
+          </a:stretch>
+        </p:blipFill>
+        <p:spPr>
+          <a:xfrm>
+            <a:off x="1507597" y="4043506"/>
+            <a:ext cx="3132138" cy="2476213"/>
+          </a:xfrm>
+          <a:prstGeom prst="rect">
+            <a:avLst/>
+          </a:prstGeom>
+        </p:spPr>
+      </p:pic>
+      <p:pic>
+        <p:nvPicPr>
+          <p:cNvPr id="7" name="Picture 6">
+            <a:extLst>
+              <a:ext uri="{FF2B5EF4-FFF2-40B4-BE49-F238E27FC236}">
+                <a16:creationId xmlns:a16="http://schemas.microsoft.com/office/drawing/2014/main" id="{FF31E736-7C7B-4F1A-A2A7-9225983ED9AD}"/>
+              </a:ext>
+            </a:extLst>
+          </p:cNvPr>
+          <p:cNvPicPr>
+            <a:picLocks noChangeAspect="1"/>
+          </p:cNvPicPr>
+          <p:nvPr/>
+        </p:nvPicPr>
+        <p:blipFill>
+          <a:blip r:embed="rId3"/>
+          <a:stretch>
+            <a:fillRect/>
+          </a:stretch>
+        </p:blipFill>
+        <p:spPr>
+          <a:xfrm>
+            <a:off x="6457950" y="1482869"/>
+            <a:ext cx="4895850" cy="3562350"/>
+          </a:xfrm>
+          <a:prstGeom prst="rect">
+            <a:avLst/>
+          </a:prstGeom>
+          <a:ln>
+            <a:noFill/>
+          </a:ln>
+          <a:effectLst>
+            <a:outerShdw blurRad="292100" dist="139700" dir="2700000" algn="tl" rotWithShape="0">
+              <a:srgbClr val="333333">
+                <a:alpha val="65000"/>
+              </a:srgbClr>
+            </a:outerShdw>
+          </a:effectLst>
+        </p:spPr>
+      </p:pic>
     </p:spTree>
     <p:extLst>
       <p:ext uri="{BB962C8B-B14F-4D97-AF65-F5344CB8AC3E}">
-        <p14:creationId xmlns:p14="http://schemas.microsoft.com/office/powerpoint/2010/main" val="842957556"/>
+        <p14:creationId xmlns:p14="http://schemas.microsoft.com/office/powerpoint/2010/main" val="280353376"/>
       </p:ext>
     </p:extLst>
   </p:cSld>
@@ -6342,7 +6721,7 @@
           <p:cNvPr id="2" name="Title 1">
             <a:extLst>
               <a:ext uri="{FF2B5EF4-FFF2-40B4-BE49-F238E27FC236}">
-                <a16:creationId xmlns:a16="http://schemas.microsoft.com/office/drawing/2014/main" id="{3E4CFA0A-060A-4BAD-AD8A-9F5E69CD6E93}"/>
+                <a16:creationId xmlns:a16="http://schemas.microsoft.com/office/drawing/2014/main" id="{CDD4768E-4BB5-4638-A89A-F350EE857EE6}"/>
               </a:ext>
             </a:extLst>
           </p:cNvPr>
@@ -6360,7 +6739,7 @@
           <a:p>
             <a:r>
               <a:rPr lang="en-US" dirty="0"/>
-              <a:t>Types of Input</a:t>
+              <a:t>Drawing to the screen</a:t>
             </a:r>
           </a:p>
         </p:txBody>
@@ -6370,7 +6749,7 @@
           <p:cNvPr id="3" name="Content Placeholder 2">
             <a:extLst>
               <a:ext uri="{FF2B5EF4-FFF2-40B4-BE49-F238E27FC236}">
-                <a16:creationId xmlns:a16="http://schemas.microsoft.com/office/drawing/2014/main" id="{AEEA7A3C-458D-44C7-A71E-A57E1F8B7007}"/>
+                <a16:creationId xmlns:a16="http://schemas.microsoft.com/office/drawing/2014/main" id="{382F3622-02A7-4CFA-9F1C-C989AECB6869}"/>
               </a:ext>
             </a:extLst>
           </p:cNvPr>
@@ -6381,70 +6760,428 @@
             <p:ph idx="1"/>
           </p:nvPr>
         </p:nvSpPr>
-        <p:spPr/>
-        <p:txBody>
-          <a:bodyPr/>
-          <a:lstStyle/>
-          <a:p>
-            <a:r>
-              <a:rPr lang="en-US" dirty="0"/>
-              <a:t>Event driven</a:t>
+        <p:spPr>
+          <a:xfrm>
+            <a:off x="838200" y="1825625"/>
+            <a:ext cx="4783667" cy="4351338"/>
+          </a:xfrm>
+        </p:spPr>
+        <p:txBody>
+          <a:bodyPr>
+            <a:normAutofit fontScale="92500" lnSpcReduction="10000"/>
+          </a:bodyPr>
+          <a:lstStyle/>
+          <a:p>
+            <a:r>
+              <a:rPr lang="en-US" dirty="0"/>
+              <a:t>Make a new </a:t>
+            </a:r>
+            <a:r>
+              <a:rPr lang="en-US" dirty="0" err="1"/>
+              <a:t>JComponent</a:t>
+            </a:r>
+            <a:r>
+              <a:rPr lang="en-US" dirty="0"/>
+              <a:t> subclass for drawing</a:t>
             </a:r>
           </a:p>
           <a:p>
             <a:pPr lvl="1"/>
             <a:r>
               <a:rPr lang="en-US" dirty="0"/>
-              <a:t>Mouse click</a:t>
+              <a:t>Previously Canvas</a:t>
+            </a:r>
+          </a:p>
+          <a:p>
+            <a:r>
+              <a:rPr lang="en-US" dirty="0"/>
+              <a:t>Override </a:t>
+            </a:r>
+            <a:r>
+              <a:rPr lang="en-US" dirty="0" err="1"/>
+              <a:t>paintComponent</a:t>
+            </a:r>
+            <a:r>
+              <a:rPr lang="en-US" i="1" dirty="0"/>
+              <a:t>(Graphics g)</a:t>
+            </a:r>
+            <a:r>
+              <a:rPr lang="en-US" dirty="0"/>
+              <a:t> to draw</a:t>
+            </a:r>
+          </a:p>
+          <a:p>
+            <a:r>
+              <a:rPr lang="en-US" dirty="0"/>
+              <a:t>Coordinates are relative to the </a:t>
+            </a:r>
+            <a:r>
+              <a:rPr lang="en-US" dirty="0" err="1"/>
+              <a:t>JComponent</a:t>
+            </a:r>
+            <a:endParaRPr lang="en-US" dirty="0"/>
+          </a:p>
+          <a:p>
+            <a:r>
+              <a:rPr lang="en-US" dirty="0"/>
+              <a:t>More complex drawing methods by casting to Graphics2D</a:t>
             </a:r>
           </a:p>
           <a:p>
             <a:pPr lvl="1"/>
             <a:r>
               <a:rPr lang="en-US" dirty="0"/>
-              <a:t>Key press, release</a:t>
+              <a:t>rotate, scale, </a:t>
+            </a:r>
+            <a:r>
+              <a:rPr lang="en-US" dirty="0" err="1"/>
+              <a:t>etc</a:t>
+            </a:r>
+            <a:endParaRPr lang="en-US" dirty="0"/>
+          </a:p>
+        </p:txBody>
+      </p:sp>
+      <p:sp>
+        <p:nvSpPr>
+          <p:cNvPr id="4" name="Content Placeholder 2">
+            <a:extLst>
+              <a:ext uri="{FF2B5EF4-FFF2-40B4-BE49-F238E27FC236}">
+                <a16:creationId xmlns:a16="http://schemas.microsoft.com/office/drawing/2014/main" id="{96552144-32F2-431B-BBF8-5E835AE147E6}"/>
+              </a:ext>
+            </a:extLst>
+          </p:cNvPr>
+          <p:cNvSpPr txBox="1">
+            <a:spLocks/>
+          </p:cNvSpPr>
+          <p:nvPr/>
+        </p:nvSpPr>
+        <p:spPr>
+          <a:xfrm>
+            <a:off x="6096000" y="1825625"/>
+            <a:ext cx="4106333" cy="4351338"/>
+          </a:xfrm>
+          <a:prstGeom prst="rect">
+            <a:avLst/>
+          </a:prstGeom>
+        </p:spPr>
+        <p:txBody>
+          <a:bodyPr vert="horz" lIns="91440" tIns="45720" rIns="91440" bIns="45720" rtlCol="0">
+            <a:normAutofit fontScale="70000" lnSpcReduction="20000"/>
+          </a:bodyPr>
+          <a:lstStyle>
+            <a:lvl1pPr marL="228600" indent="-228600" algn="l" defTabSz="914400" rtl="0" eaLnBrk="1" latinLnBrk="0" hangingPunct="1">
+              <a:lnSpc>
+                <a:spcPct val="90000"/>
+              </a:lnSpc>
+              <a:spcBef>
+                <a:spcPts val="1000"/>
+              </a:spcBef>
+              <a:buFont typeface="Arial" panose="020B0604020202020204" pitchFamily="34" charset="0"/>
+              <a:buChar char="•"/>
+              <a:defRPr sz="2800" kern="1200">
+                <a:solidFill>
+                  <a:schemeClr val="tx1"/>
+                </a:solidFill>
+                <a:latin typeface="+mn-lt"/>
+                <a:ea typeface="+mn-ea"/>
+                <a:cs typeface="+mn-cs"/>
+              </a:defRPr>
+            </a:lvl1pPr>
+            <a:lvl2pPr marL="685800" indent="-228600" algn="l" defTabSz="914400" rtl="0" eaLnBrk="1" latinLnBrk="0" hangingPunct="1">
+              <a:lnSpc>
+                <a:spcPct val="90000"/>
+              </a:lnSpc>
+              <a:spcBef>
+                <a:spcPts val="500"/>
+              </a:spcBef>
+              <a:buFont typeface="Arial" panose="020B0604020202020204" pitchFamily="34" charset="0"/>
+              <a:buChar char="•"/>
+              <a:defRPr sz="2400" kern="1200">
+                <a:solidFill>
+                  <a:schemeClr val="tx1"/>
+                </a:solidFill>
+                <a:latin typeface="+mn-lt"/>
+                <a:ea typeface="+mn-ea"/>
+                <a:cs typeface="+mn-cs"/>
+              </a:defRPr>
+            </a:lvl2pPr>
+            <a:lvl3pPr marL="1143000" indent="-228600" algn="l" defTabSz="914400" rtl="0" eaLnBrk="1" latinLnBrk="0" hangingPunct="1">
+              <a:lnSpc>
+                <a:spcPct val="90000"/>
+              </a:lnSpc>
+              <a:spcBef>
+                <a:spcPts val="500"/>
+              </a:spcBef>
+              <a:buFont typeface="Arial" panose="020B0604020202020204" pitchFamily="34" charset="0"/>
+              <a:buChar char="•"/>
+              <a:defRPr sz="2000" kern="1200">
+                <a:solidFill>
+                  <a:schemeClr val="tx1"/>
+                </a:solidFill>
+                <a:latin typeface="+mn-lt"/>
+                <a:ea typeface="+mn-ea"/>
+                <a:cs typeface="+mn-cs"/>
+              </a:defRPr>
+            </a:lvl3pPr>
+            <a:lvl4pPr marL="1600200" indent="-228600" algn="l" defTabSz="914400" rtl="0" eaLnBrk="1" latinLnBrk="0" hangingPunct="1">
+              <a:lnSpc>
+                <a:spcPct val="90000"/>
+              </a:lnSpc>
+              <a:spcBef>
+                <a:spcPts val="500"/>
+              </a:spcBef>
+              <a:buFont typeface="Arial" panose="020B0604020202020204" pitchFamily="34" charset="0"/>
+              <a:buChar char="•"/>
+              <a:defRPr sz="1800" kern="1200">
+                <a:solidFill>
+                  <a:schemeClr val="tx1"/>
+                </a:solidFill>
+                <a:latin typeface="+mn-lt"/>
+                <a:ea typeface="+mn-ea"/>
+                <a:cs typeface="+mn-cs"/>
+              </a:defRPr>
+            </a:lvl4pPr>
+            <a:lvl5pPr marL="2057400" indent="-228600" algn="l" defTabSz="914400" rtl="0" eaLnBrk="1" latinLnBrk="0" hangingPunct="1">
+              <a:lnSpc>
+                <a:spcPct val="90000"/>
+              </a:lnSpc>
+              <a:spcBef>
+                <a:spcPts val="500"/>
+              </a:spcBef>
+              <a:buFont typeface="Arial" panose="020B0604020202020204" pitchFamily="34" charset="0"/>
+              <a:buChar char="•"/>
+              <a:defRPr sz="1800" kern="1200">
+                <a:solidFill>
+                  <a:schemeClr val="tx1"/>
+                </a:solidFill>
+                <a:latin typeface="+mn-lt"/>
+                <a:ea typeface="+mn-ea"/>
+                <a:cs typeface="+mn-cs"/>
+              </a:defRPr>
+            </a:lvl5pPr>
+            <a:lvl6pPr marL="2514600" indent="-228600" algn="l" defTabSz="914400" rtl="0" eaLnBrk="1" latinLnBrk="0" hangingPunct="1">
+              <a:lnSpc>
+                <a:spcPct val="90000"/>
+              </a:lnSpc>
+              <a:spcBef>
+                <a:spcPts val="500"/>
+              </a:spcBef>
+              <a:buFont typeface="Arial" panose="020B0604020202020204" pitchFamily="34" charset="0"/>
+              <a:buChar char="•"/>
+              <a:defRPr sz="1800" kern="1200">
+                <a:solidFill>
+                  <a:schemeClr val="tx1"/>
+                </a:solidFill>
+                <a:latin typeface="+mn-lt"/>
+                <a:ea typeface="+mn-ea"/>
+                <a:cs typeface="+mn-cs"/>
+              </a:defRPr>
+            </a:lvl6pPr>
+            <a:lvl7pPr marL="2971800" indent="-228600" algn="l" defTabSz="914400" rtl="0" eaLnBrk="1" latinLnBrk="0" hangingPunct="1">
+              <a:lnSpc>
+                <a:spcPct val="90000"/>
+              </a:lnSpc>
+              <a:spcBef>
+                <a:spcPts val="500"/>
+              </a:spcBef>
+              <a:buFont typeface="Arial" panose="020B0604020202020204" pitchFamily="34" charset="0"/>
+              <a:buChar char="•"/>
+              <a:defRPr sz="1800" kern="1200">
+                <a:solidFill>
+                  <a:schemeClr val="tx1"/>
+                </a:solidFill>
+                <a:latin typeface="+mn-lt"/>
+                <a:ea typeface="+mn-ea"/>
+                <a:cs typeface="+mn-cs"/>
+              </a:defRPr>
+            </a:lvl7pPr>
+            <a:lvl8pPr marL="3429000" indent="-228600" algn="l" defTabSz="914400" rtl="0" eaLnBrk="1" latinLnBrk="0" hangingPunct="1">
+              <a:lnSpc>
+                <a:spcPct val="90000"/>
+              </a:lnSpc>
+              <a:spcBef>
+                <a:spcPts val="500"/>
+              </a:spcBef>
+              <a:buFont typeface="Arial" panose="020B0604020202020204" pitchFamily="34" charset="0"/>
+              <a:buChar char="•"/>
+              <a:defRPr sz="1800" kern="1200">
+                <a:solidFill>
+                  <a:schemeClr val="tx1"/>
+                </a:solidFill>
+                <a:latin typeface="+mn-lt"/>
+                <a:ea typeface="+mn-ea"/>
+                <a:cs typeface="+mn-cs"/>
+              </a:defRPr>
+            </a:lvl8pPr>
+            <a:lvl9pPr marL="3886200" indent="-228600" algn="l" defTabSz="914400" rtl="0" eaLnBrk="1" latinLnBrk="0" hangingPunct="1">
+              <a:lnSpc>
+                <a:spcPct val="90000"/>
+              </a:lnSpc>
+              <a:spcBef>
+                <a:spcPts val="500"/>
+              </a:spcBef>
+              <a:buFont typeface="Arial" panose="020B0604020202020204" pitchFamily="34" charset="0"/>
+              <a:buChar char="•"/>
+              <a:defRPr sz="1800" kern="1200">
+                <a:solidFill>
+                  <a:schemeClr val="tx1"/>
+                </a:solidFill>
+                <a:latin typeface="+mn-lt"/>
+                <a:ea typeface="+mn-ea"/>
+                <a:cs typeface="+mn-cs"/>
+              </a:defRPr>
+            </a:lvl9pPr>
+          </a:lstStyle>
+          <a:p>
+            <a:r>
+              <a:rPr lang="en-US" dirty="0"/>
+              <a:t>Rectangles / Squares</a:t>
             </a:r>
           </a:p>
           <a:p>
             <a:pPr lvl="1"/>
             <a:r>
-              <a:rPr lang="en-US" dirty="0"/>
-              <a:t>Button pressed, released</a:t>
-            </a:r>
-          </a:p>
-          <a:p>
-            <a:r>
-              <a:rPr lang="en-US" dirty="0"/>
-              <a:t>Polling</a:t>
+              <a:rPr lang="en-US" dirty="0" err="1"/>
+              <a:t>g.drawRect</a:t>
+            </a:r>
+            <a:r>
+              <a:rPr lang="en-US" dirty="0"/>
+              <a:t>(x, y , width, height)</a:t>
             </a:r>
           </a:p>
           <a:p>
             <a:pPr lvl="1"/>
             <a:r>
-              <a:rPr lang="en-US" dirty="0"/>
-              <a:t>Joystick position</a:t>
+              <a:rPr lang="en-US" dirty="0" err="1"/>
+              <a:t>g.fillRect</a:t>
+            </a:r>
+            <a:r>
+              <a:rPr lang="en-US" dirty="0"/>
+              <a:t>(x, y , width, height)</a:t>
+            </a:r>
+          </a:p>
+          <a:p>
+            <a:r>
+              <a:rPr lang="en-US" dirty="0"/>
+              <a:t>Ovals / Circles</a:t>
             </a:r>
           </a:p>
           <a:p>
             <a:pPr lvl="1"/>
             <a:r>
-              <a:rPr lang="en-US" dirty="0"/>
-              <a:t>Mouse pointer position</a:t>
+              <a:rPr lang="en-US" dirty="0" err="1"/>
+              <a:t>g.drawOval</a:t>
+            </a:r>
+            <a:r>
+              <a:rPr lang="en-US" dirty="0"/>
+              <a:t>(x, y, width, height)</a:t>
             </a:r>
           </a:p>
           <a:p>
             <a:pPr lvl="1"/>
             <a:r>
-              <a:rPr lang="en-US" dirty="0"/>
-              <a:t>Button is pressed</a:t>
-            </a:r>
+              <a:rPr lang="en-US" dirty="0" err="1"/>
+              <a:t>g.fillOval</a:t>
+            </a:r>
+            <a:r>
+              <a:rPr lang="en-US" dirty="0"/>
+              <a:t>(x, y, width, height)</a:t>
+            </a:r>
+          </a:p>
+          <a:p>
+            <a:r>
+              <a:rPr lang="en-US" dirty="0"/>
+              <a:t>Lines</a:t>
+            </a:r>
+          </a:p>
+          <a:p>
+            <a:pPr lvl="1"/>
+            <a:r>
+              <a:rPr lang="en-US" dirty="0" err="1"/>
+              <a:t>g.drawLine</a:t>
+            </a:r>
+            <a:r>
+              <a:rPr lang="en-US" dirty="0"/>
+              <a:t>(x1, y1, x2, y2)</a:t>
+            </a:r>
+          </a:p>
+          <a:p>
+            <a:r>
+              <a:rPr lang="en-US" dirty="0"/>
+              <a:t>Text</a:t>
+            </a:r>
+          </a:p>
+          <a:p>
+            <a:pPr lvl="1"/>
+            <a:r>
+              <a:rPr lang="en-US" dirty="0" err="1"/>
+              <a:t>g.drawString</a:t>
+            </a:r>
+            <a:r>
+              <a:rPr lang="en-US" dirty="0"/>
+              <a:t>(string, x, y)</a:t>
+            </a:r>
+          </a:p>
+          <a:p>
+            <a:r>
+              <a:rPr lang="en-US" dirty="0"/>
+              <a:t>Arcs</a:t>
+            </a:r>
+          </a:p>
+          <a:p>
+            <a:pPr lvl="1"/>
+            <a:r>
+              <a:rPr lang="en-US" dirty="0" err="1"/>
+              <a:t>g.drawArc</a:t>
+            </a:r>
+            <a:r>
+              <a:rPr lang="en-US" dirty="0"/>
+              <a:t>(x, y, width, height, start angle, stop angle)</a:t>
+            </a:r>
+          </a:p>
+          <a:p>
+            <a:pPr lvl="1"/>
+            <a:r>
+              <a:rPr lang="en-US" dirty="0" err="1"/>
+              <a:t>g.fillArc</a:t>
+            </a:r>
+            <a:r>
+              <a:rPr lang="en-US" dirty="0"/>
+              <a:t>(x, y, width, height, start angle, stop angle)</a:t>
+            </a:r>
+          </a:p>
+          <a:p>
+            <a:r>
+              <a:rPr lang="en-US" dirty="0"/>
+              <a:t>Set color - </a:t>
+            </a:r>
+            <a:r>
+              <a:rPr lang="en-US" dirty="0" err="1"/>
+              <a:t>g.setColor</a:t>
+            </a:r>
+            <a:r>
+              <a:rPr lang="en-US" dirty="0"/>
+              <a:t>(</a:t>
+            </a:r>
+            <a:r>
+              <a:rPr lang="en-US" dirty="0" err="1"/>
+              <a:t>Color.green</a:t>
+            </a:r>
+            <a:r>
+              <a:rPr lang="en-US" dirty="0"/>
+              <a:t>)</a:t>
+            </a:r>
+          </a:p>
+          <a:p>
+            <a:pPr lvl="1"/>
+            <a:endParaRPr lang="en-US" dirty="0"/>
           </a:p>
         </p:txBody>
       </p:sp>
     </p:spTree>
     <p:extLst>
       <p:ext uri="{BB962C8B-B14F-4D97-AF65-F5344CB8AC3E}">
-        <p14:creationId xmlns:p14="http://schemas.microsoft.com/office/powerpoint/2010/main" val="924983055"/>
+        <p14:creationId xmlns:p14="http://schemas.microsoft.com/office/powerpoint/2010/main" val="842957556"/>
       </p:ext>
     </p:extLst>
   </p:cSld>
